--- a/#MATERIAL/APRESENTACAO_PROJETO_CIRCO_PROF_WESLEY.pptx
+++ b/#MATERIAL/APRESENTACAO_PROJETO_CIRCO_PROF_WESLEY.pptx
@@ -14,8 +14,9 @@
     <p:sldId id="262" r:id="rId8"/>
     <p:sldId id="263" r:id="rId9"/>
     <p:sldId id="264" r:id="rId10"/>
-    <p:sldId id="266" r:id="rId11"/>
-    <p:sldId id="267" r:id="rId12"/>
+    <p:sldId id="268" r:id="rId11"/>
+    <p:sldId id="266" r:id="rId12"/>
+    <p:sldId id="267" r:id="rId13"/>
   </p:sldIdLst>
   <p:sldSz cx="12192000" cy="6858000"/>
   <p:notesSz cx="6858000" cy="9144000"/>
@@ -114,6 +115,11 @@
       </a:defRPr>
     </a:lvl9pPr>
   </p:defaultTextStyle>
+  <p:extLst>
+    <p:ext uri="{EFAFB233-063F-42B5-8137-9DF3F51BA10A}">
+      <p15:sldGuideLst xmlns:p15="http://schemas.microsoft.com/office/powerpoint/2012/main"/>
+    </p:ext>
+  </p:extLst>
 </p:presentation>
 </file>
 
@@ -452,7 +458,7 @@
           <a:p>
             <a:fld id="{4A7E3E65-E343-47B3-BC29-0F68E330912D}" type="datetimeFigureOut">
               <a:rPr lang="pt-BR" smtClean="0"/>
-              <a:t>14/10/2022</a:t>
+              <a:t>17/10/2022</a:t>
             </a:fld>
             <a:endParaRPr lang="pt-BR"/>
           </a:p>
@@ -1540,7 +1546,7 @@
           <a:p>
             <a:fld id="{4A7E3E65-E343-47B3-BC29-0F68E330912D}" type="datetimeFigureOut">
               <a:rPr lang="pt-BR" smtClean="0"/>
-              <a:t>14/10/2022</a:t>
+              <a:t>17/10/2022</a:t>
             </a:fld>
             <a:endParaRPr lang="pt-BR"/>
           </a:p>
@@ -2520,7 +2526,7 @@
           <a:p>
             <a:fld id="{4A7E3E65-E343-47B3-BC29-0F68E330912D}" type="datetimeFigureOut">
               <a:rPr lang="pt-BR" smtClean="0"/>
-              <a:t>14/10/2022</a:t>
+              <a:t>17/10/2022</a:t>
             </a:fld>
             <a:endParaRPr lang="pt-BR"/>
           </a:p>
@@ -3654,7 +3660,7 @@
           <a:p>
             <a:fld id="{4A7E3E65-E343-47B3-BC29-0F68E330912D}" type="datetimeFigureOut">
               <a:rPr lang="pt-BR" smtClean="0"/>
-              <a:t>14/10/2022</a:t>
+              <a:t>17/10/2022</a:t>
             </a:fld>
             <a:endParaRPr lang="pt-BR"/>
           </a:p>
@@ -4687,7 +4693,7 @@
           <a:p>
             <a:fld id="{4A7E3E65-E343-47B3-BC29-0F68E330912D}" type="datetimeFigureOut">
               <a:rPr lang="pt-BR" smtClean="0"/>
-              <a:t>14/10/2022</a:t>
+              <a:t>17/10/2022</a:t>
             </a:fld>
             <a:endParaRPr lang="pt-BR"/>
           </a:p>
@@ -5347,7 +5353,7 @@
           <a:p>
             <a:fld id="{4A7E3E65-E343-47B3-BC29-0F68E330912D}" type="datetimeFigureOut">
               <a:rPr lang="pt-BR" smtClean="0"/>
-              <a:t>14/10/2022</a:t>
+              <a:t>17/10/2022</a:t>
             </a:fld>
             <a:endParaRPr lang="pt-BR"/>
           </a:p>
@@ -6208,7 +6214,7 @@
           <a:p>
             <a:fld id="{4A7E3E65-E343-47B3-BC29-0F68E330912D}" type="datetimeFigureOut">
               <a:rPr lang="pt-BR" smtClean="0"/>
-              <a:t>14/10/2022</a:t>
+              <a:t>17/10/2022</a:t>
             </a:fld>
             <a:endParaRPr lang="pt-BR"/>
           </a:p>
@@ -6398,7 +6404,7 @@
           <a:p>
             <a:fld id="{4A7E3E65-E343-47B3-BC29-0F68E330912D}" type="datetimeFigureOut">
               <a:rPr lang="pt-BR" smtClean="0"/>
-              <a:t>14/10/2022</a:t>
+              <a:t>17/10/2022</a:t>
             </a:fld>
             <a:endParaRPr lang="pt-BR"/>
           </a:p>
@@ -7370,7 +7376,7 @@
           <a:p>
             <a:fld id="{4A7E3E65-E343-47B3-BC29-0F68E330912D}" type="datetimeFigureOut">
               <a:rPr lang="pt-BR" smtClean="0"/>
-              <a:t>14/10/2022</a:t>
+              <a:t>17/10/2022</a:t>
             </a:fld>
             <a:endParaRPr lang="pt-BR"/>
           </a:p>
@@ -7581,7 +7587,7 @@
           <a:p>
             <a:fld id="{4A7E3E65-E343-47B3-BC29-0F68E330912D}" type="datetimeFigureOut">
               <a:rPr lang="pt-BR" smtClean="0"/>
-              <a:t>14/10/2022</a:t>
+              <a:t>17/10/2022</a:t>
             </a:fld>
             <a:endParaRPr lang="pt-BR"/>
           </a:p>
@@ -8615,7 +8621,7 @@
           <a:p>
             <a:fld id="{4A7E3E65-E343-47B3-BC29-0F68E330912D}" type="datetimeFigureOut">
               <a:rPr lang="pt-BR" smtClean="0"/>
-              <a:t>14/10/2022</a:t>
+              <a:t>17/10/2022</a:t>
             </a:fld>
             <a:endParaRPr lang="pt-BR"/>
           </a:p>
@@ -8887,7 +8893,7 @@
           <a:p>
             <a:fld id="{4A7E3E65-E343-47B3-BC29-0F68E330912D}" type="datetimeFigureOut">
               <a:rPr lang="pt-BR" smtClean="0"/>
-              <a:t>14/10/2022</a:t>
+              <a:t>17/10/2022</a:t>
             </a:fld>
             <a:endParaRPr lang="pt-BR"/>
           </a:p>
@@ -9297,7 +9303,7 @@
           <a:p>
             <a:fld id="{4A7E3E65-E343-47B3-BC29-0F68E330912D}" type="datetimeFigureOut">
               <a:rPr lang="pt-BR" smtClean="0"/>
-              <a:t>14/10/2022</a:t>
+              <a:t>17/10/2022</a:t>
             </a:fld>
             <a:endParaRPr lang="pt-BR"/>
           </a:p>
@@ -9424,7 +9430,7 @@
           <a:p>
             <a:fld id="{4A7E3E65-E343-47B3-BC29-0F68E330912D}" type="datetimeFigureOut">
               <a:rPr lang="pt-BR" smtClean="0"/>
-              <a:t>14/10/2022</a:t>
+              <a:t>17/10/2022</a:t>
             </a:fld>
             <a:endParaRPr lang="pt-BR"/>
           </a:p>
@@ -9519,7 +9525,7 @@
           <a:p>
             <a:fld id="{4A7E3E65-E343-47B3-BC29-0F68E330912D}" type="datetimeFigureOut">
               <a:rPr lang="pt-BR" smtClean="0"/>
-              <a:t>14/10/2022</a:t>
+              <a:t>17/10/2022</a:t>
             </a:fld>
             <a:endParaRPr lang="pt-BR"/>
           </a:p>
@@ -10600,7 +10606,7 @@
           <a:p>
             <a:fld id="{4A7E3E65-E343-47B3-BC29-0F68E330912D}" type="datetimeFigureOut">
               <a:rPr lang="pt-BR" smtClean="0"/>
-              <a:t>14/10/2022</a:t>
+              <a:t>17/10/2022</a:t>
             </a:fld>
             <a:endParaRPr lang="pt-BR"/>
           </a:p>
@@ -11708,7 +11714,7 @@
           <a:p>
             <a:fld id="{4A7E3E65-E343-47B3-BC29-0F68E330912D}" type="datetimeFigureOut">
               <a:rPr lang="pt-BR" smtClean="0"/>
-              <a:t>14/10/2022</a:t>
+              <a:t>17/10/2022</a:t>
             </a:fld>
             <a:endParaRPr lang="pt-BR"/>
           </a:p>
@@ -12705,7 +12711,7 @@
           <a:p>
             <a:fld id="{4A7E3E65-E343-47B3-BC29-0F68E330912D}" type="datetimeFigureOut">
               <a:rPr lang="pt-BR" smtClean="0"/>
-              <a:t>14/10/2022</a:t>
+              <a:t>17/10/2022</a:t>
             </a:fld>
             <a:endParaRPr lang="pt-BR"/>
           </a:p>
@@ -13620,6 +13626,94 @@
           <a:chExt cx="0" cy="0"/>
         </a:xfrm>
       </p:grpSpPr>
+      <p:sp>
+        <p:nvSpPr>
+          <p:cNvPr id="2" name="Título 1">
+            <a:extLst>
+              <a:ext uri="{FF2B5EF4-FFF2-40B4-BE49-F238E27FC236}">
+                <a16:creationId xmlns:a16="http://schemas.microsoft.com/office/drawing/2014/main" id="{961AFD4E-CC0B-6719-1694-0A57B1638B1B}"/>
+              </a:ext>
+            </a:extLst>
+          </p:cNvPr>
+          <p:cNvSpPr>
+            <a:spLocks noGrp="1"/>
+          </p:cNvSpPr>
+          <p:nvPr>
+            <p:ph type="title"/>
+          </p:nvPr>
+        </p:nvSpPr>
+        <p:spPr/>
+        <p:txBody>
+          <a:bodyPr/>
+          <a:lstStyle/>
+          <a:p>
+            <a:r>
+              <a:rPr lang="pt-BR" dirty="0"/>
+              <a:t>Banco de Dados</a:t>
+            </a:r>
+          </a:p>
+        </p:txBody>
+      </p:sp>
+      <p:pic>
+        <p:nvPicPr>
+          <p:cNvPr id="4" name="Imagem 3">
+            <a:extLst>
+              <a:ext uri="{FF2B5EF4-FFF2-40B4-BE49-F238E27FC236}">
+                <a16:creationId xmlns:a16="http://schemas.microsoft.com/office/drawing/2014/main" id="{0A7F4426-92FC-E130-D4F4-C0C64C8252E6}"/>
+              </a:ext>
+            </a:extLst>
+          </p:cNvPr>
+          <p:cNvPicPr>
+            <a:picLocks noChangeAspect="1"/>
+          </p:cNvPicPr>
+          <p:nvPr/>
+        </p:nvPicPr>
+        <p:blipFill>
+          <a:blip r:embed="rId2"/>
+          <a:stretch>
+            <a:fillRect/>
+          </a:stretch>
+        </p:blipFill>
+        <p:spPr>
+          <a:xfrm>
+            <a:off x="2090178" y="2521538"/>
+            <a:ext cx="8011643" cy="3362794"/>
+          </a:xfrm>
+          <a:prstGeom prst="rect">
+            <a:avLst/>
+          </a:prstGeom>
+        </p:spPr>
+      </p:pic>
+    </p:spTree>
+    <p:extLst>
+      <p:ext uri="{BB962C8B-B14F-4D97-AF65-F5344CB8AC3E}">
+        <p14:creationId xmlns:p14="http://schemas.microsoft.com/office/powerpoint/2010/main" val="2539601263"/>
+      </p:ext>
+    </p:extLst>
+  </p:cSld>
+  <p:clrMapOvr>
+    <a:masterClrMapping/>
+  </p:clrMapOvr>
+</p:sld>
+</file>
+
+<file path=ppt/slides/slide11.xml><?xml version="1.0" encoding="utf-8"?>
+<p:sld xmlns:a="http://schemas.openxmlformats.org/drawingml/2006/main" xmlns:r="http://schemas.openxmlformats.org/officeDocument/2006/relationships" xmlns:p="http://schemas.openxmlformats.org/presentationml/2006/main">
+  <p:cSld>
+    <p:spTree>
+      <p:nvGrpSpPr>
+        <p:cNvPr id="1" name=""/>
+        <p:cNvGrpSpPr/>
+        <p:nvPr/>
+      </p:nvGrpSpPr>
+      <p:grpSpPr>
+        <a:xfrm>
+          <a:off x="0" y="0"/>
+          <a:ext cx="0" cy="0"/>
+          <a:chOff x="0" y="0"/>
+          <a:chExt cx="0" cy="0"/>
+        </a:xfrm>
+      </p:grpSpPr>
       <p:pic>
         <p:nvPicPr>
           <p:cNvPr id="3" name="Imagem 2">
@@ -13735,7 +13829,7 @@
 </p:sld>
 </file>
 
-<file path=ppt/slides/slide11.xml><?xml version="1.0" encoding="utf-8"?>
+<file path=ppt/slides/slide12.xml><?xml version="1.0" encoding="utf-8"?>
 <p:sld xmlns:a="http://schemas.openxmlformats.org/drawingml/2006/main" xmlns:r="http://schemas.openxmlformats.org/officeDocument/2006/relationships" xmlns:p="http://schemas.openxmlformats.org/presentationml/2006/main">
   <p:cSld>
     <p:spTree>
@@ -15107,7 +15201,7 @@
         <a:sysClr val="windowText" lastClr="000000"/>
       </a:dk1>
       <a:lt1>
-        <a:sysClr val="window" lastClr="FFFFFF"/>
+        <a:sysClr val="window" lastClr="C8C8C8"/>
       </a:lt1>
       <a:dk2>
         <a:srgbClr val="3B3059"/>
